--- a/Presentation/Credit_Card_Fraud_Presentation.pptx
+++ b/Presentation/Credit_Card_Fraud_Presentation.pptx
@@ -218,7 +218,7 @@
           <a:effectLst/>
           <a:extLst>
             <a:ext uri="{91240B29-F687-4f45-9708-019B960494DF}">
-              <a14:hiddenLine xmlns:a14="http://schemas.microsoft.com/office/drawing/2010/main" xmlns="" w="9525">
+              <a14:hiddenLine xmlns="" xmlns:a14="http://schemas.microsoft.com/office/drawing/2010/main" w="9525">
                 <a:solidFill>
                   <a:srgbClr val="000000"/>
                 </a:solidFill>
@@ -411,7 +411,7 @@
             <a:fld id="{08B9EBBA-996F-894A-B54A-D6246ED52CEA}" type="datetimeFigureOut">
               <a:rPr lang="en-US" dirty="0"/>
               <a:pPr/>
-              <a:t>7/25/2020</a:t>
+              <a:t>7/30/20</a:t>
             </a:fld>
             <a:endParaRPr lang="en-US" dirty="0"/>
           </a:p>
@@ -726,7 +726,7 @@
             <a:fld id="{18C79C5D-2A6F-F04D-97DA-BEF2467B64E4}" type="datetimeFigureOut">
               <a:rPr lang="en-US" dirty="0"/>
               <a:pPr/>
-              <a:t>7/25/2020</a:t>
+              <a:t>7/30/20</a:t>
             </a:fld>
             <a:endParaRPr lang="en-US" dirty="0"/>
           </a:p>
@@ -1211,7 +1211,7 @@
             <a:fld id="{8DFA1846-DA80-1C48-A609-854EA85C59AD}" type="datetimeFigureOut">
               <a:rPr lang="en-US" dirty="0"/>
               <a:pPr/>
-              <a:t>7/25/2020</a:t>
+              <a:t>7/30/20</a:t>
             </a:fld>
             <a:endParaRPr lang="en-US" dirty="0"/>
           </a:p>
@@ -1577,7 +1577,7 @@
             <a:fld id="{FBF54567-0DE4-3F47-BF90-CB84690072F9}" type="datetimeFigureOut">
               <a:rPr lang="en-US" dirty="0"/>
               <a:pPr/>
-              <a:t>7/25/2020</a:t>
+              <a:t>7/30/20</a:t>
             </a:fld>
             <a:endParaRPr lang="en-US" dirty="0"/>
           </a:p>
@@ -1728,7 +1728,7 @@
           <a:ln/>
           <a:extLst>
             <a:ext uri="{91240B29-F687-4f45-9708-019B960494DF}">
-              <a14:hiddenLine xmlns:a14="http://schemas.microsoft.com/office/drawing/2010/main" xmlns="" w="9525">
+              <a14:hiddenLine xmlns="" xmlns:a14="http://schemas.microsoft.com/office/drawing/2010/main" w="9525">
                 <a:solidFill>
                   <a:srgbClr val="000000"/>
                 </a:solidFill>
@@ -1847,7 +1847,7 @@
             <a:fld id="{C6C52C72-DE31-F449-A4ED-4C594FD91407}" type="datetimeFigureOut">
               <a:rPr lang="en-US" dirty="0"/>
               <a:pPr/>
-              <a:t>7/25/2020</a:t>
+              <a:t>7/30/20</a:t>
             </a:fld>
             <a:endParaRPr lang="en-US" dirty="0"/>
           </a:p>
@@ -2000,7 +2000,7 @@
           <a:ln/>
           <a:extLst>
             <a:ext uri="{91240B29-F687-4f45-9708-019B960494DF}">
-              <a14:hiddenLine xmlns:a14="http://schemas.microsoft.com/office/drawing/2010/main" xmlns="" w="9525">
+              <a14:hiddenLine xmlns="" xmlns:a14="http://schemas.microsoft.com/office/drawing/2010/main" w="9525">
                 <a:solidFill>
                   <a:srgbClr val="000000"/>
                 </a:solidFill>
@@ -2129,7 +2129,7 @@
             <a:fld id="{ED62726E-379B-B349-9EED-81ED093FA806}" type="datetimeFigureOut">
               <a:rPr lang="en-US" dirty="0"/>
               <a:pPr/>
-              <a:t>7/25/2020</a:t>
+              <a:t>7/30/20</a:t>
             </a:fld>
             <a:endParaRPr lang="en-US" dirty="0"/>
           </a:p>
@@ -2280,7 +2280,7 @@
           <a:ln/>
           <a:extLst>
             <a:ext uri="{91240B29-F687-4f45-9708-019B960494DF}">
-              <a14:hiddenLine xmlns:a14="http://schemas.microsoft.com/office/drawing/2010/main" xmlns="" w="9525">
+              <a14:hiddenLine xmlns="" xmlns:a14="http://schemas.microsoft.com/office/drawing/2010/main" w="9525">
                 <a:solidFill>
                   <a:srgbClr val="000000"/>
                 </a:solidFill>
@@ -2409,7 +2409,7 @@
             <a:fld id="{9B3A1323-8D79-1946-B0D7-40001CF92E9D}" type="datetimeFigureOut">
               <a:rPr lang="en-US" dirty="0"/>
               <a:pPr/>
-              <a:t>7/25/2020</a:t>
+              <a:t>7/30/20</a:t>
             </a:fld>
             <a:endParaRPr lang="en-US" dirty="0"/>
           </a:p>
@@ -2749,7 +2749,7 @@
             <a:fld id="{8DFA1846-DA80-1C48-A609-854EA85C59AD}" type="datetimeFigureOut">
               <a:rPr lang="en-US" dirty="0"/>
               <a:pPr/>
-              <a:t>7/25/2020</a:t>
+              <a:t>7/30/20</a:t>
             </a:fld>
             <a:endParaRPr lang="en-US" dirty="0"/>
           </a:p>
@@ -2900,7 +2900,7 @@
           <a:ln/>
           <a:extLst>
             <a:ext uri="{91240B29-F687-4f45-9708-019B960494DF}">
-              <a14:hiddenLine xmlns:a14="http://schemas.microsoft.com/office/drawing/2010/main" xmlns="" w="9525">
+              <a14:hiddenLine xmlns="" xmlns:a14="http://schemas.microsoft.com/office/drawing/2010/main" w="9525">
                 <a:solidFill>
                   <a:srgbClr val="000000"/>
                 </a:solidFill>
@@ -3085,7 +3085,7 @@
             <a:fld id="{57302355-E14B-8545-A8F8-0FE83CC9D524}" type="datetimeFigureOut">
               <a:rPr lang="en-US" dirty="0"/>
               <a:pPr/>
-              <a:t>7/25/2020</a:t>
+              <a:t>7/30/20</a:t>
             </a:fld>
             <a:endParaRPr lang="en-US" dirty="0"/>
           </a:p>
@@ -3236,7 +3236,7 @@
           <a:ln/>
           <a:extLst>
             <a:ext uri="{91240B29-F687-4f45-9708-019B960494DF}">
-              <a14:hiddenLine xmlns:a14="http://schemas.microsoft.com/office/drawing/2010/main" xmlns="" w="9525">
+              <a14:hiddenLine xmlns="" xmlns:a14="http://schemas.microsoft.com/office/drawing/2010/main" w="9525">
                 <a:solidFill>
                   <a:srgbClr val="000000"/>
                 </a:solidFill>
@@ -3559,7 +3559,7 @@
             <a:fld id="{02640F58-564D-2B4F-AE67-E407BA4FCF45}" type="datetimeFigureOut">
               <a:rPr lang="en-US" dirty="0"/>
               <a:pPr/>
-              <a:t>7/25/2020</a:t>
+              <a:t>7/30/20</a:t>
             </a:fld>
             <a:endParaRPr lang="en-US" dirty="0"/>
           </a:p>
@@ -3710,7 +3710,7 @@
           <a:ln/>
           <a:extLst>
             <a:ext uri="{91240B29-F687-4f45-9708-019B960494DF}">
-              <a14:hiddenLine xmlns:a14="http://schemas.microsoft.com/office/drawing/2010/main" xmlns="" w="9525">
+              <a14:hiddenLine xmlns="" xmlns:a14="http://schemas.microsoft.com/office/drawing/2010/main" w="9525">
                 <a:solidFill>
                   <a:srgbClr val="000000"/>
                 </a:solidFill>
@@ -3777,7 +3777,7 @@
             <a:fld id="{F13A34C8-038E-2045-AF43-DF7DBB8E0E9E}" type="datetimeFigureOut">
               <a:rPr lang="en-US" dirty="0"/>
               <a:pPr/>
-              <a:t>7/25/2020</a:t>
+              <a:t>7/30/20</a:t>
             </a:fld>
             <a:endParaRPr lang="en-US" dirty="0"/>
           </a:p>
@@ -3869,7 +3869,7 @@
             <a:fld id="{8818C68F-D26B-8F47-958C-23B49CF8A634}" type="datetimeFigureOut">
               <a:rPr lang="en-US" dirty="0"/>
               <a:pPr/>
-              <a:t>7/25/2020</a:t>
+              <a:t>7/30/20</a:t>
             </a:fld>
             <a:endParaRPr lang="en-US" dirty="0"/>
           </a:p>
@@ -4133,7 +4133,7 @@
           <a:ln/>
           <a:extLst>
             <a:ext uri="{91240B29-F687-4f45-9708-019B960494DF}">
-              <a14:hiddenLine xmlns:a14="http://schemas.microsoft.com/office/drawing/2010/main" xmlns="" w="9525">
+              <a14:hiddenLine xmlns="" xmlns:a14="http://schemas.microsoft.com/office/drawing/2010/main" w="9525">
                 <a:solidFill>
                   <a:srgbClr val="000000"/>
                 </a:solidFill>
@@ -4333,7 +4333,7 @@
             <a:fld id="{D0DF5E60-9974-AC48-9591-99C2BB44B7CF}" type="datetimeFigureOut">
               <a:rPr lang="en-US" dirty="0"/>
               <a:pPr/>
-              <a:t>7/25/2020</a:t>
+              <a:t>7/30/20</a:t>
             </a:fld>
             <a:endParaRPr lang="en-US" dirty="0"/>
           </a:p>
@@ -4643,7 +4643,7 @@
             <a:fld id="{18C79C5D-2A6F-F04D-97DA-BEF2467B64E4}" type="datetimeFigureOut">
               <a:rPr lang="en-US" dirty="0"/>
               <a:pPr/>
-              <a:t>7/25/2020</a:t>
+              <a:t>7/30/20</a:t>
             </a:fld>
             <a:endParaRPr lang="en-US" dirty="0"/>
           </a:p>
@@ -4910,7 +4910,7 @@
             <a:fld id="{09B482E8-6E0E-1B4F-B1FD-C69DB9E858D9}" type="datetimeFigureOut">
               <a:rPr lang="en-US" dirty="0"/>
               <a:pPr/>
-              <a:t>7/25/2020</a:t>
+              <a:t>7/30/20</a:t>
             </a:fld>
             <a:endParaRPr lang="en-US" dirty="0"/>
           </a:p>
@@ -5490,7 +5490,7 @@
           <p:nvPr>
             <p:extLst>
               <p:ext uri="{D42A27DB-BD31-4B8C-83A1-F6EECF244321}">
-                <p14:modId xmlns:p14="http://schemas.microsoft.com/office/powerpoint/2010/main" val="138556613"/>
+                <p14:modId xmlns:p14="http://schemas.microsoft.com/office/powerpoint/2010/main" val="3546828360"/>
               </p:ext>
             </p:extLst>
           </p:nvPr>
@@ -5688,7 +5688,7 @@
                       <a:pPr algn="ctr"/>
                       <a:r>
                         <a:rPr lang="en-US" dirty="0"/>
-                        <a:t>0.934</a:t>
+                        <a:t>0.928</a:t>
                       </a:r>
                     </a:p>
                   </a:txBody>
@@ -6349,7 +6349,7 @@
           <a:ln/>
           <a:extLst>
             <a:ext uri="{91240B29-F687-4f45-9708-019B960494DF}">
-              <a14:hiddenLine xmlns="" xmlns:a16="http://schemas.microsoft.com/office/drawing/2014/main" xmlns:p14="http://schemas.microsoft.com/office/powerpoint/2010/main" xmlns:a14="http://schemas.microsoft.com/office/drawing/2010/main" w="9525">
+              <a14:hiddenLine xmlns:a14="http://schemas.microsoft.com/office/drawing/2010/main" xmlns:p14="http://schemas.microsoft.com/office/powerpoint/2010/main" xmlns:a16="http://schemas.microsoft.com/office/drawing/2014/main" xmlns="" w="9525">
                 <a:solidFill>
                   <a:srgbClr val="000000"/>
                 </a:solidFill>
@@ -7018,7 +7018,7 @@
           <a:ln/>
           <a:extLst>
             <a:ext uri="{91240B29-F687-4f45-9708-019B960494DF}">
-              <a14:hiddenLine xmlns="" xmlns:a16="http://schemas.microsoft.com/office/drawing/2014/main" xmlns:p14="http://schemas.microsoft.com/office/powerpoint/2010/main" xmlns:a14="http://schemas.microsoft.com/office/drawing/2010/main" w="9525">
+              <a14:hiddenLine xmlns:a14="http://schemas.microsoft.com/office/drawing/2010/main" xmlns:p14="http://schemas.microsoft.com/office/powerpoint/2010/main" xmlns:a16="http://schemas.microsoft.com/office/drawing/2014/main" xmlns="" w="9525">
                 <a:solidFill>
                   <a:srgbClr val="000000"/>
                 </a:solidFill>
@@ -7324,7 +7324,7 @@
           <a:ln/>
           <a:extLst>
             <a:ext uri="{91240B29-F687-4f45-9708-019B960494DF}">
-              <a14:hiddenLine xmlns="" xmlns:a16="http://schemas.microsoft.com/office/drawing/2014/main" xmlns:p14="http://schemas.microsoft.com/office/powerpoint/2010/main" xmlns:a14="http://schemas.microsoft.com/office/drawing/2010/main" w="9525">
+              <a14:hiddenLine xmlns:a14="http://schemas.microsoft.com/office/drawing/2010/main" xmlns:p14="http://schemas.microsoft.com/office/powerpoint/2010/main" xmlns:a16="http://schemas.microsoft.com/office/drawing/2014/main" xmlns="" w="9525">
                 <a:solidFill>
                   <a:srgbClr val="000000"/>
                 </a:solidFill>
@@ -7962,7 +7962,7 @@
           <a:ln/>
           <a:extLst>
             <a:ext uri="{91240B29-F687-4f45-9708-019B960494DF}">
-              <a14:hiddenLine xmlns="" xmlns:a16="http://schemas.microsoft.com/office/drawing/2014/main" xmlns:p14="http://schemas.microsoft.com/office/powerpoint/2010/main" xmlns:a14="http://schemas.microsoft.com/office/drawing/2010/main" w="9525">
+              <a14:hiddenLine xmlns:a14="http://schemas.microsoft.com/office/drawing/2010/main" xmlns:p14="http://schemas.microsoft.com/office/powerpoint/2010/main" xmlns:a16="http://schemas.microsoft.com/office/drawing/2014/main" xmlns="" w="9525">
                 <a:solidFill>
                   <a:srgbClr val="000000"/>
                 </a:solidFill>
@@ -8600,7 +8600,7 @@
           <a:ln/>
           <a:extLst>
             <a:ext uri="{91240B29-F687-4f45-9708-019B960494DF}">
-              <a14:hiddenLine xmlns="" xmlns:a16="http://schemas.microsoft.com/office/drawing/2014/main" xmlns:p14="http://schemas.microsoft.com/office/powerpoint/2010/main" xmlns:a14="http://schemas.microsoft.com/office/drawing/2010/main" w="9525">
+              <a14:hiddenLine xmlns:a14="http://schemas.microsoft.com/office/drawing/2010/main" xmlns:p14="http://schemas.microsoft.com/office/powerpoint/2010/main" xmlns:a16="http://schemas.microsoft.com/office/drawing/2014/main" xmlns="" w="9525">
                 <a:solidFill>
                   <a:srgbClr val="000000"/>
                 </a:solidFill>
@@ -8959,19 +8959,13 @@
           <a:p>
             <a:r>
               <a:rPr lang="en-US" sz="1600" dirty="0"/>
-              <a:t>Confusion Matrix shows 8 false positives</a:t>
+              <a:t>Confusion Matrix shows 1 False Positive prediction &amp; 16 True Negative predictions</a:t>
             </a:r>
           </a:p>
           <a:p>
             <a:r>
               <a:rPr lang="en-US" sz="1600" dirty="0"/>
-              <a:t>Achieved an accuracy of 0.934 with a standard deviation of 0.012</a:t>
-            </a:r>
-          </a:p>
-          <a:p>
-            <a:r>
-              <a:rPr lang="en-US" sz="1600" dirty="0"/>
-              <a:t>Heat map shows strong correlations between features 1 thru 20 but drops off after </a:t>
+              <a:t>Achieved an accuracy of 0.928 with a standard deviation of 0.024</a:t>
             </a:r>
           </a:p>
         </p:txBody>
@@ -9046,19 +9040,17 @@
       </p:sp>
       <p:pic>
         <p:nvPicPr>
-          <p:cNvPr id="14" name="Content Placeholder 5" descr="A screenshot of a cell phone&#10;&#10;Description automatically generated">
+          <p:cNvPr id="3" name="Picture 2">
             <a:extLst>
               <a:ext uri="{FF2B5EF4-FFF2-40B4-BE49-F238E27FC236}">
-                <a16:creationId xmlns:a16="http://schemas.microsoft.com/office/drawing/2014/main" id="{2E0B35AD-63C3-446E-B24D-59A90F155DF0}"/>
+                <a16:creationId xmlns:a16="http://schemas.microsoft.com/office/drawing/2014/main" id="{AE6D07EA-10FB-4D4B-90C9-B58C11F2F3FC}"/>
               </a:ext>
             </a:extLst>
           </p:cNvPr>
           <p:cNvPicPr>
-            <a:picLocks noGrp="1" noChangeAspect="1"/>
+            <a:picLocks noChangeAspect="1"/>
           </p:cNvPicPr>
-          <p:nvPr>
-            <p:ph sz="half" idx="2"/>
-          </p:nvPr>
+          <p:nvPr/>
         </p:nvPicPr>
         <p:blipFill>
           <a:blip r:embed="rId2"/>
@@ -9068,8 +9060,8 @@
         </p:blipFill>
         <p:spPr>
           <a:xfrm>
-            <a:off x="4637004" y="2681654"/>
-            <a:ext cx="7563465" cy="4176346"/>
+            <a:off x="5306105" y="1373885"/>
+            <a:ext cx="6242431" cy="2635692"/>
           </a:xfrm>
           <a:prstGeom prst="rect">
             <a:avLst/>
@@ -9078,10 +9070,10 @@
       </p:pic>
       <p:pic>
         <p:nvPicPr>
-          <p:cNvPr id="3" name="Picture 2">
+          <p:cNvPr id="9" name="Picture 8">
             <a:extLst>
               <a:ext uri="{FF2B5EF4-FFF2-40B4-BE49-F238E27FC236}">
-                <a16:creationId xmlns:a16="http://schemas.microsoft.com/office/drawing/2014/main" id="{AE6D07EA-10FB-4D4B-90C9-B58C11F2F3FC}"/>
+                <a16:creationId xmlns:a16="http://schemas.microsoft.com/office/drawing/2014/main" id="{A8B9A182-35AE-F149-8F49-F7F090B00AB5}"/>
               </a:ext>
             </a:extLst>
           </p:cNvPr>
@@ -9098,8 +9090,8 @@
         </p:blipFill>
         <p:spPr>
           <a:xfrm>
-            <a:off x="4637005" y="-1"/>
-            <a:ext cx="7563464" cy="3193461"/>
+            <a:off x="5993628" y="4791630"/>
+            <a:ext cx="4838700" cy="330200"/>
           </a:xfrm>
           <a:prstGeom prst="rect">
             <a:avLst/>
@@ -9238,7 +9230,7 @@
           <a:ln/>
           <a:extLst>
             <a:ext uri="{91240B29-F687-4f45-9708-019B960494DF}">
-              <a14:hiddenLine xmlns="" xmlns:a16="http://schemas.microsoft.com/office/drawing/2014/main" xmlns:p14="http://schemas.microsoft.com/office/powerpoint/2010/main" xmlns:a14="http://schemas.microsoft.com/office/drawing/2010/main" w="9525">
+              <a14:hiddenLine xmlns:a14="http://schemas.microsoft.com/office/drawing/2010/main" xmlns:p14="http://schemas.microsoft.com/office/powerpoint/2010/main" xmlns:a16="http://schemas.microsoft.com/office/drawing/2014/main" xmlns="" w="9525">
                 <a:solidFill>
                   <a:srgbClr val="000000"/>
                 </a:solidFill>
@@ -9912,7 +9904,7 @@
           <a:ln/>
           <a:extLst>
             <a:ext uri="{91240B29-F687-4f45-9708-019B960494DF}">
-              <a14:hiddenLine xmlns="" xmlns:a16="http://schemas.microsoft.com/office/drawing/2014/main" xmlns:p14="http://schemas.microsoft.com/office/powerpoint/2010/main" xmlns:a14="http://schemas.microsoft.com/office/drawing/2010/main" w="9525">
+              <a14:hiddenLine xmlns:a14="http://schemas.microsoft.com/office/drawing/2010/main" xmlns:p14="http://schemas.microsoft.com/office/powerpoint/2010/main" xmlns:a16="http://schemas.microsoft.com/office/drawing/2014/main" xmlns="" w="9525">
                 <a:solidFill>
                   <a:srgbClr val="000000"/>
                 </a:solidFill>
